--- a/Scripts/splash_oasis_presentation.pptx
+++ b/Scripts/splash_oasis_presentation.pptx
@@ -3176,7 +3176,7 @@
             </a:pPr>
             <a:r>
               <a:rPr/>
-              <a:t>2025-07-14</a:t>
+              <a:t>2025-07-19</a:t>
             </a:r>
           </a:p>
         </p:txBody>

--- a/Scripts/splash_oasis_presentation.pptx
+++ b/Scripts/splash_oasis_presentation.pptx
@@ -3176,7 +3176,7 @@
             </a:pPr>
             <a:r>
               <a:rPr/>
-              <a:t>2025-07-19</a:t>
+              <a:t>2025-10-23</a:t>
             </a:r>
           </a:p>
         </p:txBody>

--- a/Scripts/splash_oasis_presentation.pptx
+++ b/Scripts/splash_oasis_presentation.pptx
@@ -3176,7 +3176,7 @@
             </a:pPr>
             <a:r>
               <a:rPr/>
-              <a:t>2025-10-23</a:t>
+              <a:t>2025-10-25</a:t>
             </a:r>
           </a:p>
         </p:txBody>
